--- a/ppt/学习总结-20221113.pptx
+++ b/ppt/学习总结-20221113.pptx
@@ -5,16 +5,12 @@
     <p:sldMasterId id="2147483677" r:id="rId1"/>
   </p:sldMasterIdLst>
   <p:notesMasterIdLst>
-    <p:notesMasterId r:id="rId9"/>
+    <p:notesMasterId r:id="rId5"/>
   </p:notesMasterIdLst>
   <p:sldIdLst>
     <p:sldId id="356" r:id="rId2"/>
     <p:sldId id="357" r:id="rId3"/>
-    <p:sldId id="358" r:id="rId4"/>
-    <p:sldId id="363" r:id="rId5"/>
-    <p:sldId id="364" r:id="rId6"/>
-    <p:sldId id="365" r:id="rId7"/>
-    <p:sldId id="360" r:id="rId8"/>
+    <p:sldId id="360" r:id="rId4"/>
   </p:sldIdLst>
   <p:sldSz cx="12192000" cy="6858000"/>
   <p:notesSz cx="6858000" cy="9144000"/>
@@ -119,118 +115,6 @@
     </p:ext>
   </p:extLst>
 </p:presentation>
-</file>
-
-<file path=ppt/ink/ink1.xml><?xml version="1.0" encoding="utf-8"?>
-<inkml:ink xmlns:inkml="http://www.w3.org/2003/InkML">
-  <inkml:definitions>
-    <inkml:context xml:id="ctx0">
-      <inkml:inkSource xml:id="inkSrc0">
-        <inkml:traceFormat>
-          <inkml:channel name="X" type="integer" min="-2.14748E9" max="2.14748E9" units="cm"/>
-          <inkml:channel name="Y" type="integer" min="-2.14748E9" max="2.14748E9" units="cm"/>
-          <inkml:channel name="F" type="integer" max="32767" units="dev"/>
-        </inkml:traceFormat>
-        <inkml:channelProperties>
-          <inkml:channelProperty channel="X" name="resolution" value="1000" units="1/cm"/>
-          <inkml:channelProperty channel="Y" name="resolution" value="1000" units="1/cm"/>
-          <inkml:channelProperty channel="F" name="resolution" value="0" units="1/dev"/>
-        </inkml:channelProperties>
-      </inkml:inkSource>
-      <inkml:timestamp xml:id="ts0" timeString="2022-10-29T08:59:47.781"/>
-    </inkml:context>
-    <inkml:brush xml:id="br0">
-      <inkml:brushProperty name="width" value="0.05" units="cm"/>
-      <inkml:brushProperty name="height" value="0.05" units="cm"/>
-      <inkml:brushProperty name="color" value="#E71224"/>
-    </inkml:brush>
-  </inkml:definitions>
-  <inkml:trace contextRef="#ctx0" brushRef="#br0">173 454 24575,'1205'0'0,"-1203"0"0,1 0 0,0 0 0,-1 0 0,1 0 0,-1 0 0,1 0 0,-1-1 0,1 1 0,-1-1 0,1 0 0,-1 0 0,1 0 0,-1 0 0,0 0 0,1 0 0,-1-1 0,0 1 0,0-1 0,0 1 0,0-1 0,0 0 0,-1 0 0,1 0 0,0 0 0,-1 0 0,1 0 0,-1 0 0,0-1 0,0 1 0,0 0 0,0-1 0,0 1 0,-1-1 0,1 1 0,-1-1 0,1 1 0,-1-1 0,0 0 0,0-4 0,0-3 0,0 1 0,-1-1 0,0 1 0,0-1 0,-1 1 0,0 0 0,-1 0 0,0 0 0,-7-14 0,8 17 0,-6-11 0,-15-28 0,19 40 0,1 0 0,-1 0 0,0 0 0,-1 0 0,1 1 0,-1 0 0,0 0 0,0 0 0,-6-3 0,-73-37 0,73 40 0,0 0 0,0 1 0,0 0 0,0 0 0,0 1 0,-14 0 0,1 0 0,1-2 0,-1 0 0,1-2 0,0 0 0,1-2 0,-30-14 0,37 18 0,1 0 0,-1 0 0,1 2 0,-1 0 0,-19 0 0,-22-4 0,-2 0 0,0 3 0,-70 4 0,32 1 0,-18-11 0,-5 0 0,50 8 0,-62 3 0,129-1 0,1-1 0,-1 0 0,0 1 0,0-1 0,1 1 0,-1 0 0,0 0 0,1-1 0,-1 1 0,1 0 0,-1 0 0,1 0 0,0 1 0,-1-1 0,1 0 0,0 1 0,0-1 0,0 0 0,0 1 0,0-1 0,0 1 0,0 0 0,0-1 0,0 1 0,1 0 0,-1-1 0,1 1 0,0 0 0,-1 0 0,1-1 0,0 3 0,-1 8 0,0 1 0,1-1 0,3 21 0,-1-10 0,-2-14 0,0 1 0,1-1 0,0 0 0,1 0 0,0 1 0,0-1 0,1 0 0,0-1 0,1 1 0,0-1 0,0 1 0,1-1 0,0 0 0,1-1 0,-1 1 0,1-1 0,1 0 0,10 9 0,-5-5 0,11 10 0,0-1 0,35 23 0,-50-38 0,1 0 0,1 0 0,-1-1 0,1 0 0,0 0 0,0-1 0,0-1 0,0 0 0,0 0 0,21 0 0,18-2-1365,-35-1-5461</inkml:trace>
-</inkml:ink>
-</file>
-
-<file path=ppt/ink/ink2.xml><?xml version="1.0" encoding="utf-8"?>
-<inkml:ink xmlns:inkml="http://www.w3.org/2003/InkML">
-  <inkml:definitions>
-    <inkml:context xml:id="ctx0">
-      <inkml:inkSource xml:id="inkSrc0">
-        <inkml:traceFormat>
-          <inkml:channel name="X" type="integer" min="-2.14748E9" max="2.14748E9" units="cm"/>
-          <inkml:channel name="Y" type="integer" min="-2.14748E9" max="2.14748E9" units="cm"/>
-          <inkml:channel name="F" type="integer" max="32767" units="dev"/>
-        </inkml:traceFormat>
-        <inkml:channelProperties>
-          <inkml:channelProperty channel="X" name="resolution" value="1000" units="1/cm"/>
-          <inkml:channelProperty channel="Y" name="resolution" value="1000" units="1/cm"/>
-          <inkml:channelProperty channel="F" name="resolution" value="0" units="1/dev"/>
-        </inkml:channelProperties>
-      </inkml:inkSource>
-      <inkml:timestamp xml:id="ts0" timeString="2022-10-29T08:59:56.209"/>
-    </inkml:context>
-    <inkml:brush xml:id="br0">
-      <inkml:brushProperty name="width" value="0.05" units="cm"/>
-      <inkml:brushProperty name="height" value="0.05" units="cm"/>
-      <inkml:brushProperty name="color" value="#E71224"/>
-    </inkml:brush>
-  </inkml:definitions>
-  <inkml:trace contextRef="#ctx0" brushRef="#br0">117 355 24575,'2224'0'0,"-2220"-1"0,1 1 0,-1-1 0,1 0 0,-1-1 0,1 1 0,-1-1 0,0 1 0,0-1 0,0-1 0,0 1 0,0 0 0,0-1 0,-1 0 0,1 0 0,-1 0 0,0 0 0,1-1 0,-2 1 0,1-1 0,0 0 0,-1 0 0,0 0 0,4-8 0,-1 1 0,0 0 0,-1 0 0,-1-1 0,0 1 0,0-1 0,-1 0 0,-1 0 0,1-14 0,-2 19 0,0-1 0,0 1 0,-1-1 0,-3-11 0,4 17 0,-1 0 0,0 1 0,1-1 0,-1 0 0,0 0 0,0 1 0,0-1 0,0 0 0,-1 1 0,1-1 0,0 1 0,0 0 0,-1-1 0,1 1 0,-1 0 0,0 0 0,1 0 0,-1 0 0,0 0 0,1 0 0,-1 0 0,0 1 0,-2-1 0,-31-7 0,19 4 0,1 1 0,-1-2 0,-24-10 0,24 8 0,0 1 0,0 1 0,-1 0 0,0 1 0,0 1 0,-27-2 0,-108 5 0,68 2 0,33-1 0,-84-12 0,75 5 0,-1 2 0,-71 6 0,38-1 0,-1127-1 0,1214 0 0,-1 0 0,1 1 0,-1 0 0,1 0 0,-1 1 0,1 0 0,0 0 0,-1 0 0,-8 5 0,13-5 0,-1 1 0,0-1 0,1 1 0,-1-1 0,1 1 0,0 0 0,0 1 0,0-1 0,1 0 0,-1 1 0,1 0 0,0-1 0,-1 1 0,2 0 0,-1 0 0,0 0 0,-1 6 0,-9 31 0,6-24 0,-6 35 0,11-45 0,0-1 0,1 0 0,0 0 0,0 1 0,0-1 0,1 0 0,0 0 0,0 1 0,4 8 0,-3-8 38,1 0 0,0 0 0,0 0 0,1 0 0,0-1 0,0 0 0,0 0 0,7 7 0,-8-10-139,0 0 1,0-1-1,0 0 1,1 0 0,-1 0-1,1 0 1,-1 0-1,1-1 1,0 1 0,0-1-1,0 0 1,0 0 0,0-1-1,-1 1 1,1-1-1,8 0 1,3 0-6726</inkml:trace>
-</inkml:ink>
-</file>
-
-<file path=ppt/ink/ink3.xml><?xml version="1.0" encoding="utf-8"?>
-<inkml:ink xmlns:inkml="http://www.w3.org/2003/InkML">
-  <inkml:definitions>
-    <inkml:context xml:id="ctx0">
-      <inkml:inkSource xml:id="inkSrc0">
-        <inkml:traceFormat>
-          <inkml:channel name="X" type="integer" min="-2.14748E9" max="2.14748E9" units="cm"/>
-          <inkml:channel name="Y" type="integer" min="-2.14748E9" max="2.14748E9" units="cm"/>
-          <inkml:channel name="F" type="integer" max="32767" units="dev"/>
-        </inkml:traceFormat>
-        <inkml:channelProperties>
-          <inkml:channelProperty channel="X" name="resolution" value="1000" units="1/cm"/>
-          <inkml:channelProperty channel="Y" name="resolution" value="1000" units="1/cm"/>
-          <inkml:channelProperty channel="F" name="resolution" value="0" units="1/dev"/>
-        </inkml:channelProperties>
-      </inkml:inkSource>
-      <inkml:timestamp xml:id="ts0" timeString="2022-10-29T09:00:01.181"/>
-    </inkml:context>
-    <inkml:brush xml:id="br0">
-      <inkml:brushProperty name="width" value="0.05" units="cm"/>
-      <inkml:brushProperty name="height" value="0.05" units="cm"/>
-      <inkml:brushProperty name="color" value="#E71224"/>
-    </inkml:brush>
-  </inkml:definitions>
-  <inkml:trace contextRef="#ctx0" brushRef="#br0">257 469 24575,'250'-17'0,"0"0"0,-179 17 0,-3 2 0,1-4 0,68-11 0,-50 2 0,95-1 0,90 13 0,-102 1 0,-119-2 0,81 13 0,-130-13 0,1 1 0,-1-1 0,1 0 0,-1 0 0,0 0 0,1 0 0,-1 0 0,1 0 0,-1-1 0,1 1 0,-1-1 0,0 0 0,1 1 0,-1-1 0,0 0 0,0-1 0,0 1 0,0 0 0,0 0 0,0-1 0,0 0 0,0 1 0,2-3 0,-3 1 0,1 1 0,-1-1 0,1 0 0,-1 0 0,0 0 0,0 0 0,0 0 0,0 0 0,-1 0 0,1 0 0,-1 0 0,0-1 0,0 1 0,0 0 0,0 0 0,0 0 0,-2-6 0,-1-2 0,0 0 0,0 0 0,-1 1 0,-1-1 0,0 1 0,0 0 0,-1 0 0,0 0 0,-1 1 0,0 0 0,0 0 0,-1 1 0,0 0 0,-1 1 0,0-1 0,0 1 0,0 1 0,-12-6 0,11 6 0,1 1 0,-1-1 0,1 0 0,1-1 0,-16-15 0,-5-4 0,23 23 0,0 0 0,0 0 0,0 0 0,-1 1 0,0 0 0,1 0 0,-1 0 0,0 1 0,0 0 0,-7 0 0,-9-2 0,-56-13 0,49 8 0,0 2 0,-46-3 0,-63 1 0,-69-1 0,-649 10 0,841-2 0,0 2 0,1 0 0,-1 0 0,0 1 0,1 1 0,0 1 0,0 0 0,0 1 0,0 1 0,-20 10 0,26-11 0,1-1 0,-1 0 0,0-1 0,0 0 0,-1 0 0,-17 2 0,25-4 0,0-1 0,0 1 0,0 0 0,1-1 0,-1 1 0,0 0 0,0 0 0,1 0 0,-1 1 0,1-1 0,-1 0 0,1 1 0,-1-1 0,1 0 0,0 1 0,0 0 0,-1-1 0,1 1 0,1 0 0,-1 0 0,0-1 0,0 1 0,1 0 0,-1 0 0,1 0 0,-1 0 0,1 0 0,0 3 0,-2 9 0,2 0 0,0-1 0,2 18 0,-1-9 0,-1-15 0,1 0 0,-1 0 0,1-1 0,0 1 0,1 0 0,3 10 0,-3-13 0,-1-1 0,1 0 0,0 0 0,1 0 0,-1 0 0,0 0 0,1 0 0,0-1 0,-1 1 0,1-1 0,0 0 0,0 0 0,7 3 0,8 5 57,2-1 0,-1-1 0,1-1 0,0-1 0,31 5 0,-16-6-626,0-1 0,50-2 0,-70-2-6257</inkml:trace>
-</inkml:ink>
-</file>
-
-<file path=ppt/ink/ink4.xml><?xml version="1.0" encoding="utf-8"?>
-<inkml:ink xmlns:inkml="http://www.w3.org/2003/InkML">
-  <inkml:definitions>
-    <inkml:context xml:id="ctx0">
-      <inkml:inkSource xml:id="inkSrc0">
-        <inkml:traceFormat>
-          <inkml:channel name="X" type="integer" min="-2.14748E9" max="2.14748E9" units="cm"/>
-          <inkml:channel name="Y" type="integer" min="-2.14748E9" max="2.14748E9" units="cm"/>
-          <inkml:channel name="F" type="integer" max="32767" units="dev"/>
-        </inkml:traceFormat>
-        <inkml:channelProperties>
-          <inkml:channelProperty channel="X" name="resolution" value="1000" units="1/cm"/>
-          <inkml:channelProperty channel="Y" name="resolution" value="1000" units="1/cm"/>
-          <inkml:channelProperty channel="F" name="resolution" value="0" units="1/dev"/>
-        </inkml:channelProperties>
-      </inkml:inkSource>
-      <inkml:timestamp xml:id="ts0" timeString="2022-10-29T09:00:03.824"/>
-    </inkml:context>
-    <inkml:brush xml:id="br0">
-      <inkml:brushProperty name="width" value="0.05" units="cm"/>
-      <inkml:brushProperty name="height" value="0.05" units="cm"/>
-      <inkml:brushProperty name="color" value="#E71224"/>
-    </inkml:brush>
-  </inkml:definitions>
-  <inkml:trace contextRef="#ctx0" brushRef="#br0">349 453 24575,'539'0'0,"-526"0"0,1-1 0,-1-1 0,1 0 0,-1-1 0,0 0 0,0-1 0,0-1 0,21-10 0,47-17 0,-60 23 0,1 1 0,-1 1 0,29-5 0,33-12 0,-59 14 0,26-15 0,-30 14 0,0 1 0,30-10 0,-40 17 0,-1 0 0,1-1 0,10-7 0,-18 11 0,-1-1 0,1 0 0,0 0 0,-1 0 0,1 0 0,-1 0 0,1 0 0,-1-1 0,1 1 0,-1 0 0,0-1 0,0 1 0,0-1 0,0 1 0,0-1 0,0 0 0,0 1 0,0-1 0,-1 0 0,1 0 0,-1 1 0,1-1 0,-1 0 0,0 0 0,1-3 0,-2 4 0,1-1 0,-1 1 0,0 0 0,1-1 0,-1 1 0,0 0 0,0-1 0,0 1 0,0 0 0,0 0 0,0 0 0,0 0 0,-1 0 0,1 0 0,0 0 0,0 0 0,-1 0 0,1 1 0,-1-1 0,-2 0 0,-35-10 0,27 8 0,-97-27 0,28 8 0,-133-21 0,57 19 0,87 11 0,-133-6 0,-196 21 0,387-2 0,1 1 0,0 1 0,0 0 0,0 0 0,1 1 0,-13 6 0,-61 29 0,78-35 0,0 0 0,1-1 0,0 1 0,0 1 0,0-1 0,0 1 0,1 0 0,-5 5 0,7-7 0,1 0 0,-1 0 0,1 0 0,0 0 0,0 0 0,-1 0 0,2 0 0,-1 1 0,0-1 0,0 0 0,1 1 0,-1-1 0,1 0 0,0 1 0,0-1 0,0 1 0,0-1 0,0 0 0,0 1 0,2 4 0,2 5 0,0 0 0,1 0 0,1-1 0,-1 0 0,2 0 0,13 18 0,55 58 0,-58-68 0,126 119 0,-139-136 0,-1 1 0,1-1 0,0 0 0,0 0 0,-1 0 0,1-1 0,1 1 0,-1-1 0,0 0 0,0 0 0,0 0 0,8 0 0,6-1 0,33-3 0,-15 0 0,25 0-1365,-44-1-5461</inkml:trace>
-</inkml:ink>
 </file>
 
 <file path=ppt/notesMasters/notesMaster1.xml><?xml version="1.0" encoding="utf-8"?>
@@ -802,7 +686,7 @@
           <a:p>
             <a:fld id="{48A87A34-81AB-432B-8DAE-1953F412C126}" type="datetimeFigureOut">
               <a:rPr lang="en-US" dirty="0"/>
-              <a:t>11/5/2022</a:t>
+              <a:t>11/13/2022</a:t>
             </a:fld>
             <a:endParaRPr lang="en-US" dirty="0"/>
           </a:p>
@@ -1010,7 +894,7 @@
           <a:p>
             <a:fld id="{48A87A34-81AB-432B-8DAE-1953F412C126}" type="datetimeFigureOut">
               <a:rPr lang="en-US" dirty="0"/>
-              <a:t>11/5/2022</a:t>
+              <a:t>11/13/2022</a:t>
             </a:fld>
             <a:endParaRPr lang="en-US" dirty="0"/>
           </a:p>
@@ -1220,7 +1104,7 @@
           <a:p>
             <a:fld id="{48A87A34-81AB-432B-8DAE-1953F412C126}" type="datetimeFigureOut">
               <a:rPr lang="en-US" dirty="0"/>
-              <a:t>11/5/2022</a:t>
+              <a:t>11/13/2022</a:t>
             </a:fld>
             <a:endParaRPr lang="en-US" dirty="0"/>
           </a:p>
@@ -1418,7 +1302,7 @@
           <a:p>
             <a:fld id="{48A87A34-81AB-432B-8DAE-1953F412C126}" type="datetimeFigureOut">
               <a:rPr lang="en-US" dirty="0"/>
-              <a:t>11/5/2022</a:t>
+              <a:t>11/13/2022</a:t>
             </a:fld>
             <a:endParaRPr lang="en-US" dirty="0"/>
           </a:p>
@@ -1694,7 +1578,7 @@
           <a:p>
             <a:fld id="{48A87A34-81AB-432B-8DAE-1953F412C126}" type="datetimeFigureOut">
               <a:rPr lang="en-US" dirty="0"/>
-              <a:t>11/5/2022</a:t>
+              <a:t>11/13/2022</a:t>
             </a:fld>
             <a:endParaRPr lang="en-US" dirty="0"/>
           </a:p>
@@ -1959,7 +1843,7 @@
           <a:p>
             <a:fld id="{48A87A34-81AB-432B-8DAE-1953F412C126}" type="datetimeFigureOut">
               <a:rPr lang="en-US" dirty="0"/>
-              <a:t>11/5/2022</a:t>
+              <a:t>11/13/2022</a:t>
             </a:fld>
             <a:endParaRPr lang="en-US" dirty="0"/>
           </a:p>
@@ -2372,7 +2256,7 @@
           <a:p>
             <a:fld id="{48A87A34-81AB-432B-8DAE-1953F412C126}" type="datetimeFigureOut">
               <a:rPr lang="en-US" dirty="0"/>
-              <a:t>11/5/2022</a:t>
+              <a:t>11/13/2022</a:t>
             </a:fld>
             <a:endParaRPr lang="en-US" dirty="0"/>
           </a:p>
@@ -2518,7 +2402,7 @@
           <a:p>
             <a:fld id="{48A87A34-81AB-432B-8DAE-1953F412C126}" type="datetimeFigureOut">
               <a:rPr lang="en-US" dirty="0"/>
-              <a:t>11/5/2022</a:t>
+              <a:t>11/13/2022</a:t>
             </a:fld>
             <a:endParaRPr lang="en-US" dirty="0"/>
           </a:p>
@@ -2641,7 +2525,7 @@
           <a:p>
             <a:fld id="{48A87A34-81AB-432B-8DAE-1953F412C126}" type="datetimeFigureOut">
               <a:rPr lang="en-US" dirty="0"/>
-              <a:t>11/5/2022</a:t>
+              <a:t>11/13/2022</a:t>
             </a:fld>
             <a:endParaRPr lang="en-US" dirty="0"/>
           </a:p>
@@ -2887,7 +2771,7 @@
           <a:p>
             <a:fld id="{48A87A34-81AB-432B-8DAE-1953F412C126}" type="datetimeFigureOut">
               <a:rPr lang="en-US" dirty="0"/>
-              <a:t>11/5/2022</a:t>
+              <a:t>11/13/2022</a:t>
             </a:fld>
             <a:endParaRPr lang="en-US" dirty="0"/>
           </a:p>
@@ -3327,7 +3211,7 @@
           <a:p>
             <a:fld id="{48A87A34-81AB-432B-8DAE-1953F412C126}" type="datetimeFigureOut">
               <a:rPr lang="en-US" dirty="0"/>
-              <a:t>11/5/2022</a:t>
+              <a:t>11/13/2022</a:t>
             </a:fld>
             <a:endParaRPr lang="en-US" dirty="0"/>
           </a:p>
@@ -3646,7 +3530,7 @@
           <a:p>
             <a:fld id="{48A87A34-81AB-432B-8DAE-1953F412C126}" type="datetimeFigureOut">
               <a:rPr lang="en-US" dirty="0"/>
-              <a:t>11/5/2022</a:t>
+              <a:t>11/13/2022</a:t>
             </a:fld>
             <a:endParaRPr lang="en-US" dirty="0"/>
           </a:p>
@@ -4184,7 +4068,7 @@
             <a:pPr algn="r"/>
             <a:r>
               <a:rPr lang="en-US" altLang="zh-CN" dirty="0"/>
-              <a:t>2022.11.06</a:t>
+              <a:t>2022.11.13</a:t>
             </a:r>
             <a:endParaRPr lang="zh-CN" altLang="en-US" dirty="0"/>
           </a:p>
@@ -4269,45 +4153,31 @@
           <a:p>
             <a:r>
               <a:rPr lang="zh-CN" altLang="en-US" dirty="0"/>
-              <a:t>找论文</a:t>
+              <a:t>英语</a:t>
             </a:r>
             <a:endParaRPr lang="en-US" altLang="zh-CN" dirty="0"/>
           </a:p>
           <a:p>
             <a:r>
-              <a:rPr lang="zh-CN" altLang="zh-CN" dirty="0"/>
-              <a:t>看论文（</a:t>
-            </a:r>
-            <a:r>
               <a:rPr lang="zh-CN" altLang="en-US" dirty="0"/>
-              <a:t>在</a:t>
-            </a:r>
-            <a:r>
-              <a:rPr lang="en-US" altLang="zh-CN" dirty="0"/>
-              <a:t>CRISPR-Cas9</a:t>
-            </a:r>
+              <a:t>复习考试</a:t>
+            </a:r>
+            <a:endParaRPr lang="en-US" altLang="zh-CN" dirty="0"/>
+          </a:p>
+          <a:p>
+            <a:pPr lvl="1"/>
             <a:r>
               <a:rPr lang="zh-CN" altLang="en-US" dirty="0"/>
-              <a:t>基因编辑中用新的</a:t>
-            </a:r>
-            <a:r>
-              <a:rPr lang="en-US" altLang="zh-CN" dirty="0"/>
-              <a:t>sgRNA-DNA</a:t>
-            </a:r>
+              <a:t>现代优化方法、虚拟现实考完了</a:t>
+            </a:r>
+            <a:endParaRPr lang="en-US" altLang="zh-CN" dirty="0"/>
+          </a:p>
+          <a:p>
+            <a:pPr lvl="1"/>
             <a:r>
               <a:rPr lang="zh-CN" altLang="en-US" dirty="0"/>
-              <a:t>序列编码进行精准深度学习脱靶预测</a:t>
-            </a:r>
-            <a:r>
-              <a:rPr lang="zh-CN" altLang="zh-CN" dirty="0"/>
-              <a:t>）</a:t>
-            </a:r>
-            <a:endParaRPr lang="en-US" altLang="zh-CN" dirty="0"/>
-          </a:p>
-          <a:p>
-            <a:pPr marL="457200" lvl="1" indent="0">
-              <a:buNone/>
-            </a:pPr>
+              <a:t>数据仓库和数据挖掘还没考</a:t>
+            </a:r>
             <a:endParaRPr lang="en-US" altLang="zh-CN" dirty="0"/>
           </a:p>
         </p:txBody>
@@ -4339,1595 +4209,6 @@
       </p:grpSpPr>
       <p:sp>
         <p:nvSpPr>
-          <p:cNvPr id="1048597" name="标题 1"/>
-          <p:cNvSpPr>
-            <a:spLocks noGrp="1"/>
-          </p:cNvSpPr>
-          <p:nvPr>
-            <p:ph type="title"/>
-          </p:nvPr>
-        </p:nvSpPr>
-        <p:spPr>
-          <a:xfrm>
-            <a:off x="438483" y="316719"/>
-            <a:ext cx="9603275" cy="1049235"/>
-          </a:xfrm>
-        </p:spPr>
-        <p:txBody>
-          <a:bodyPr/>
-          <a:lstStyle/>
-          <a:p>
-            <a:r>
-              <a:rPr lang="zh-CN" altLang="en-US" dirty="0"/>
-              <a:t>在</a:t>
-            </a:r>
-            <a:r>
-              <a:rPr lang="en-US" altLang="zh-CN" dirty="0"/>
-              <a:t>CRISPR-Cas9</a:t>
-            </a:r>
-            <a:r>
-              <a:rPr lang="zh-CN" altLang="en-US" dirty="0"/>
-              <a:t>基因编辑中用新的</a:t>
-            </a:r>
-            <a:r>
-              <a:rPr lang="en-US" altLang="zh-CN" dirty="0"/>
-              <a:t>sgRNA-DNA</a:t>
-            </a:r>
-            <a:r>
-              <a:rPr lang="zh-CN" altLang="en-US" dirty="0"/>
-              <a:t>序列编码进行精准深度学习脱靶预测</a:t>
-            </a:r>
-          </a:p>
-        </p:txBody>
-      </p:sp>
-      <p:sp>
-        <p:nvSpPr>
-          <p:cNvPr id="7" name="文本框 6">
-            <a:extLst>
-              <a:ext uri="{FF2B5EF4-FFF2-40B4-BE49-F238E27FC236}">
-                <a16:creationId xmlns:a16="http://schemas.microsoft.com/office/drawing/2014/main" id="{DBC641C1-8509-24B4-C1D4-6DE6BC9F42EA}"/>
-              </a:ext>
-            </a:extLst>
-          </p:cNvPr>
-          <p:cNvSpPr txBox="1"/>
-          <p:nvPr/>
-        </p:nvSpPr>
-        <p:spPr>
-          <a:xfrm>
-            <a:off x="591931" y="1341161"/>
-            <a:ext cx="3905236" cy="369332"/>
-          </a:xfrm>
-          <a:prstGeom prst="rect">
-            <a:avLst/>
-          </a:prstGeom>
-          <a:noFill/>
-        </p:spPr>
-        <p:txBody>
-          <a:bodyPr wrap="none" rtlCol="0">
-            <a:spAutoFit/>
-          </a:bodyPr>
-          <a:lstStyle/>
-          <a:p>
-            <a:r>
-              <a:rPr lang="en-US" altLang="zh-CN" dirty="0"/>
-              <a:t>sgRNA-DNA </a:t>
-            </a:r>
-            <a:r>
-              <a:rPr lang="zh-CN" altLang="en-US" dirty="0"/>
-              <a:t>序列对</a:t>
-            </a:r>
-            <a:r>
-              <a:rPr lang="en-US" altLang="zh-CN" dirty="0"/>
-              <a:t> -&gt; </a:t>
-            </a:r>
-            <a:r>
-              <a:rPr lang="zh-CN" altLang="en-US" dirty="0"/>
-              <a:t>矩阵编码转换</a:t>
-            </a:r>
-          </a:p>
-        </p:txBody>
-      </p:sp>
-      <p:sp>
-        <p:nvSpPr>
-          <p:cNvPr id="8" name="文本框 7">
-            <a:extLst>
-              <a:ext uri="{FF2B5EF4-FFF2-40B4-BE49-F238E27FC236}">
-                <a16:creationId xmlns:a16="http://schemas.microsoft.com/office/drawing/2014/main" id="{D3EA7A98-CB43-6C3A-982C-223BB1D1DFDD}"/>
-              </a:ext>
-            </a:extLst>
-          </p:cNvPr>
-          <p:cNvSpPr txBox="1"/>
-          <p:nvPr/>
-        </p:nvSpPr>
-        <p:spPr>
-          <a:xfrm>
-            <a:off x="7323221" y="1365954"/>
-            <a:ext cx="1893467" cy="369332"/>
-          </a:xfrm>
-          <a:prstGeom prst="rect">
-            <a:avLst/>
-          </a:prstGeom>
-          <a:noFill/>
-        </p:spPr>
-        <p:txBody>
-          <a:bodyPr wrap="none" rtlCol="0">
-            <a:spAutoFit/>
-          </a:bodyPr>
-          <a:lstStyle/>
-          <a:p>
-            <a:r>
-              <a:rPr lang="en-US" altLang="zh-CN" dirty="0"/>
-              <a:t>CNN / FNN </a:t>
-            </a:r>
-            <a:r>
-              <a:rPr lang="zh-CN" altLang="en-US" dirty="0"/>
-              <a:t>架构</a:t>
-            </a:r>
-          </a:p>
-        </p:txBody>
-      </p:sp>
-      <p:pic>
-        <p:nvPicPr>
-          <p:cNvPr id="10" name="图片 9">
-            <a:extLst>
-              <a:ext uri="{FF2B5EF4-FFF2-40B4-BE49-F238E27FC236}">
-                <a16:creationId xmlns:a16="http://schemas.microsoft.com/office/drawing/2014/main" id="{C759BCC0-CEF6-70FA-0A3B-024EC2090131}"/>
-              </a:ext>
-            </a:extLst>
-          </p:cNvPr>
-          <p:cNvPicPr>
-            <a:picLocks noChangeAspect="1"/>
-          </p:cNvPicPr>
-          <p:nvPr/>
-        </p:nvPicPr>
-        <p:blipFill>
-          <a:blip r:embed="rId2"/>
-          <a:stretch>
-            <a:fillRect/>
-          </a:stretch>
-        </p:blipFill>
-        <p:spPr>
-          <a:xfrm>
-            <a:off x="4617483" y="2063416"/>
-            <a:ext cx="7349175" cy="3592930"/>
-          </a:xfrm>
-          <a:prstGeom prst="rect">
-            <a:avLst/>
-          </a:prstGeom>
-        </p:spPr>
-      </p:pic>
-      <p:pic>
-        <p:nvPicPr>
-          <p:cNvPr id="11" name="图片 10">
-            <a:extLst>
-              <a:ext uri="{FF2B5EF4-FFF2-40B4-BE49-F238E27FC236}">
-                <a16:creationId xmlns:a16="http://schemas.microsoft.com/office/drawing/2014/main" id="{862EEF28-4715-8389-C66D-7FE518DD0B4D}"/>
-              </a:ext>
-            </a:extLst>
-          </p:cNvPr>
-          <p:cNvPicPr>
-            <a:picLocks noChangeAspect="1"/>
-          </p:cNvPicPr>
-          <p:nvPr/>
-        </p:nvPicPr>
-        <p:blipFill>
-          <a:blip r:embed="rId3"/>
-          <a:stretch>
-            <a:fillRect/>
-          </a:stretch>
-        </p:blipFill>
-        <p:spPr>
-          <a:xfrm>
-            <a:off x="4663627" y="2145381"/>
-            <a:ext cx="5798045" cy="3429000"/>
-          </a:xfrm>
-          <a:prstGeom prst="rect">
-            <a:avLst/>
-          </a:prstGeom>
-        </p:spPr>
-      </p:pic>
-      <p:pic>
-        <p:nvPicPr>
-          <p:cNvPr id="3" name="图片 2">
-            <a:extLst>
-              <a:ext uri="{FF2B5EF4-FFF2-40B4-BE49-F238E27FC236}">
-                <a16:creationId xmlns:a16="http://schemas.microsoft.com/office/drawing/2014/main" id="{2115EB22-AF75-4CE1-808B-2322402C1622}"/>
-              </a:ext>
-            </a:extLst>
-          </p:cNvPr>
-          <p:cNvPicPr>
-            <a:picLocks noChangeAspect="1"/>
-          </p:cNvPicPr>
-          <p:nvPr/>
-        </p:nvPicPr>
-        <p:blipFill>
-          <a:blip r:embed="rId4"/>
-          <a:stretch>
-            <a:fillRect/>
-          </a:stretch>
-        </p:blipFill>
-        <p:spPr>
-          <a:xfrm>
-            <a:off x="1067179" y="1875473"/>
-            <a:ext cx="2802519" cy="4230554"/>
-          </a:xfrm>
-          <a:prstGeom prst="rect">
-            <a:avLst/>
-          </a:prstGeom>
-        </p:spPr>
-      </p:pic>
-    </p:spTree>
-  </p:cSld>
-  <p:clrMapOvr>
-    <a:masterClrMapping/>
-  </p:clrMapOvr>
-  <p:timing>
-    <p:tnLst>
-      <p:par>
-        <p:cTn id="1" dur="indefinite" restart="never" nodeType="tmRoot">
-          <p:childTnLst>
-            <p:seq concurrent="1" nextAc="seek">
-              <p:cTn id="2" dur="indefinite" nodeType="mainSeq">
-                <p:childTnLst>
-                  <p:par>
-                    <p:cTn id="3" fill="hold">
-                      <p:stCondLst>
-                        <p:cond delay="indefinite"/>
-                      </p:stCondLst>
-                      <p:childTnLst>
-                        <p:par>
-                          <p:cTn id="4" fill="hold">
-                            <p:stCondLst>
-                              <p:cond delay="0"/>
-                            </p:stCondLst>
-                            <p:childTnLst>
-                              <p:par>
-                                <p:cTn id="5" presetID="10" presetClass="entr" presetSubtype="0" fill="hold" nodeType="clickEffect">
-                                  <p:stCondLst>
-                                    <p:cond delay="0"/>
-                                  </p:stCondLst>
-                                  <p:childTnLst>
-                                    <p:set>
-                                      <p:cBhvr>
-                                        <p:cTn id="6" dur="1" fill="hold">
-                                          <p:stCondLst>
-                                            <p:cond delay="0"/>
-                                          </p:stCondLst>
-                                        </p:cTn>
-                                        <p:tgtEl>
-                                          <p:spTgt spid="10"/>
-                                        </p:tgtEl>
-                                        <p:attrNameLst>
-                                          <p:attrName>style.visibility</p:attrName>
-                                        </p:attrNameLst>
-                                      </p:cBhvr>
-                                      <p:to>
-                                        <p:strVal val="visible"/>
-                                      </p:to>
-                                    </p:set>
-                                    <p:animEffect transition="in" filter="fade">
-                                      <p:cBhvr>
-                                        <p:cTn id="7" dur="500"/>
-                                        <p:tgtEl>
-                                          <p:spTgt spid="10"/>
-                                        </p:tgtEl>
-                                      </p:cBhvr>
-                                    </p:animEffect>
-                                  </p:childTnLst>
-                                </p:cTn>
-                              </p:par>
-                            </p:childTnLst>
-                          </p:cTn>
-                        </p:par>
-                      </p:childTnLst>
-                    </p:cTn>
-                  </p:par>
-                  <p:par>
-                    <p:cTn id="8" fill="hold">
-                      <p:stCondLst>
-                        <p:cond delay="indefinite"/>
-                      </p:stCondLst>
-                      <p:childTnLst>
-                        <p:par>
-                          <p:cTn id="9" fill="hold">
-                            <p:stCondLst>
-                              <p:cond delay="0"/>
-                            </p:stCondLst>
-                            <p:childTnLst>
-                              <p:par>
-                                <p:cTn id="10" presetID="10" presetClass="entr" presetSubtype="0" fill="hold" nodeType="clickEffect">
-                                  <p:stCondLst>
-                                    <p:cond delay="0"/>
-                                  </p:stCondLst>
-                                  <p:childTnLst>
-                                    <p:set>
-                                      <p:cBhvr>
-                                        <p:cTn id="11" dur="1" fill="hold">
-                                          <p:stCondLst>
-                                            <p:cond delay="0"/>
-                                          </p:stCondLst>
-                                        </p:cTn>
-                                        <p:tgtEl>
-                                          <p:spTgt spid="11"/>
-                                        </p:tgtEl>
-                                        <p:attrNameLst>
-                                          <p:attrName>style.visibility</p:attrName>
-                                        </p:attrNameLst>
-                                      </p:cBhvr>
-                                      <p:to>
-                                        <p:strVal val="visible"/>
-                                      </p:to>
-                                    </p:set>
-                                    <p:animEffect transition="in" filter="fade">
-                                      <p:cBhvr>
-                                        <p:cTn id="12" dur="500"/>
-                                        <p:tgtEl>
-                                          <p:spTgt spid="11"/>
-                                        </p:tgtEl>
-                                      </p:cBhvr>
-                                    </p:animEffect>
-                                  </p:childTnLst>
-                                </p:cTn>
-                              </p:par>
-                            </p:childTnLst>
-                          </p:cTn>
-                        </p:par>
-                      </p:childTnLst>
-                    </p:cTn>
-                  </p:par>
-                </p:childTnLst>
-              </p:cTn>
-              <p:prevCondLst>
-                <p:cond evt="onPrev" delay="0">
-                  <p:tgtEl>
-                    <p:sldTgt/>
-                  </p:tgtEl>
-                </p:cond>
-              </p:prevCondLst>
-              <p:nextCondLst>
-                <p:cond evt="onNext" delay="0">
-                  <p:tgtEl>
-                    <p:sldTgt/>
-                  </p:tgtEl>
-                </p:cond>
-              </p:nextCondLst>
-            </p:seq>
-          </p:childTnLst>
-        </p:cTn>
-      </p:par>
-    </p:tnLst>
-  </p:timing>
-</p:sld>
-</file>
-
-<file path=ppt/slides/slide4.xml><?xml version="1.0" encoding="utf-8"?>
-<p:sld xmlns:a="http://schemas.openxmlformats.org/drawingml/2006/main" xmlns:r="http://schemas.openxmlformats.org/officeDocument/2006/relationships" xmlns:p="http://schemas.openxmlformats.org/presentationml/2006/main">
-  <p:cSld>
-    <p:spTree>
-      <p:nvGrpSpPr>
-        <p:cNvPr id="1" name=""/>
-        <p:cNvGrpSpPr/>
-        <p:nvPr/>
-      </p:nvGrpSpPr>
-      <p:grpSpPr>
-        <a:xfrm>
-          <a:off x="0" y="0"/>
-          <a:ext cx="0" cy="0"/>
-          <a:chOff x="0" y="0"/>
-          <a:chExt cx="0" cy="0"/>
-        </a:xfrm>
-      </p:grpSpPr>
-      <p:sp>
-        <p:nvSpPr>
-          <p:cNvPr id="1048597" name="标题 1"/>
-          <p:cNvSpPr>
-            <a:spLocks noGrp="1"/>
-          </p:cNvSpPr>
-          <p:nvPr>
-            <p:ph type="title"/>
-          </p:nvPr>
-        </p:nvSpPr>
-        <p:spPr>
-          <a:xfrm>
-            <a:off x="438483" y="316719"/>
-            <a:ext cx="9603275" cy="1049235"/>
-          </a:xfrm>
-        </p:spPr>
-        <p:txBody>
-          <a:bodyPr>
-            <a:normAutofit fontScale="90000"/>
-          </a:bodyPr>
-          <a:lstStyle/>
-          <a:p>
-            <a:r>
-              <a:rPr lang="zh-CN" altLang="en-US" dirty="0"/>
-              <a:t>在</a:t>
-            </a:r>
-            <a:r>
-              <a:rPr lang="en-US" altLang="zh-CN" dirty="0"/>
-              <a:t>CRISPR-Cas9</a:t>
-            </a:r>
-            <a:r>
-              <a:rPr lang="zh-CN" altLang="en-US" dirty="0"/>
-              <a:t>基因编辑中用新的</a:t>
-            </a:r>
-            <a:r>
-              <a:rPr lang="en-US" altLang="zh-CN" dirty="0"/>
-              <a:t>sgRNA-DNA</a:t>
-            </a:r>
-            <a:r>
-              <a:rPr lang="zh-CN" altLang="en-US" dirty="0"/>
-              <a:t>序列编码进行精准深度学习脱靶预测</a:t>
-            </a:r>
-            <a:br>
-              <a:rPr lang="en-US" altLang="zh-CN" dirty="0"/>
-            </a:br>
-            <a:br>
-              <a:rPr lang="en-US" altLang="zh-CN" dirty="0"/>
-            </a:br>
-            <a:r>
-              <a:rPr lang="en-US" altLang="zh-CN" dirty="0"/>
-              <a:t>        </a:t>
-            </a:r>
-            <a:r>
-              <a:rPr lang="zh-CN" altLang="en-US" dirty="0"/>
-              <a:t>实验：</a:t>
-            </a:r>
-          </a:p>
-        </p:txBody>
-      </p:sp>
-      <p:pic>
-        <p:nvPicPr>
-          <p:cNvPr id="5" name="图片 4">
-            <a:extLst>
-              <a:ext uri="{FF2B5EF4-FFF2-40B4-BE49-F238E27FC236}">
-                <a16:creationId xmlns:a16="http://schemas.microsoft.com/office/drawing/2014/main" id="{3BF16862-7194-02D7-26DA-0AE870AA475D}"/>
-              </a:ext>
-            </a:extLst>
-          </p:cNvPr>
-          <p:cNvPicPr>
-            <a:picLocks noChangeAspect="1"/>
-          </p:cNvPicPr>
-          <p:nvPr/>
-        </p:nvPicPr>
-        <p:blipFill>
-          <a:blip r:embed="rId2"/>
-          <a:stretch>
-            <a:fillRect/>
-          </a:stretch>
-        </p:blipFill>
-        <p:spPr>
-          <a:xfrm>
-            <a:off x="1126958" y="2400300"/>
-            <a:ext cx="5258314" cy="3271336"/>
-          </a:xfrm>
-          <a:prstGeom prst="rect">
-            <a:avLst/>
-          </a:prstGeom>
-        </p:spPr>
-      </p:pic>
-      <p:sp>
-        <p:nvSpPr>
-          <p:cNvPr id="7" name="文本框 6">
-            <a:extLst>
-              <a:ext uri="{FF2B5EF4-FFF2-40B4-BE49-F238E27FC236}">
-                <a16:creationId xmlns:a16="http://schemas.microsoft.com/office/drawing/2014/main" id="{505D95EF-72CD-39C2-EE1C-8EAB53BB41E8}"/>
-              </a:ext>
-            </a:extLst>
-          </p:cNvPr>
-          <p:cNvSpPr txBox="1"/>
-          <p:nvPr/>
-        </p:nvSpPr>
-        <p:spPr>
-          <a:xfrm>
-            <a:off x="1509963" y="1931068"/>
-            <a:ext cx="3781163" cy="369332"/>
-          </a:xfrm>
-          <a:prstGeom prst="rect">
-            <a:avLst/>
-          </a:prstGeom>
-          <a:noFill/>
-        </p:spPr>
-        <p:txBody>
-          <a:bodyPr wrap="none" rtlCol="0">
-            <a:spAutoFit/>
-          </a:bodyPr>
-          <a:lstStyle/>
-          <a:p>
-            <a:r>
-              <a:rPr lang="en-US" altLang="zh-CN" dirty="0"/>
-              <a:t>1. </a:t>
-            </a:r>
-            <a:r>
-              <a:rPr lang="zh-CN" altLang="en-US" dirty="0"/>
-              <a:t>不同 </a:t>
-            </a:r>
-            <a:r>
-              <a:rPr lang="en-US" altLang="zh-CN" dirty="0"/>
-              <a:t>FNN / CNN </a:t>
-            </a:r>
-            <a:r>
-              <a:rPr lang="zh-CN" altLang="en-US" dirty="0"/>
-              <a:t>架构之间的比较</a:t>
-            </a:r>
-          </a:p>
-        </p:txBody>
-      </p:sp>
-      <p:sp>
-        <p:nvSpPr>
-          <p:cNvPr id="8" name="文本框 7">
-            <a:extLst>
-              <a:ext uri="{FF2B5EF4-FFF2-40B4-BE49-F238E27FC236}">
-                <a16:creationId xmlns:a16="http://schemas.microsoft.com/office/drawing/2014/main" id="{7DBA40F0-925E-1352-6F36-D9C98DDFF1EA}"/>
-              </a:ext>
-            </a:extLst>
-          </p:cNvPr>
-          <p:cNvSpPr txBox="1"/>
-          <p:nvPr/>
-        </p:nvSpPr>
-        <p:spPr>
-          <a:xfrm>
-            <a:off x="6649967" y="1931068"/>
-            <a:ext cx="5674310" cy="369332"/>
-          </a:xfrm>
-          <a:prstGeom prst="rect">
-            <a:avLst/>
-          </a:prstGeom>
-          <a:noFill/>
-        </p:spPr>
-        <p:txBody>
-          <a:bodyPr wrap="none" rtlCol="0">
-            <a:spAutoFit/>
-          </a:bodyPr>
-          <a:lstStyle/>
-          <a:p>
-            <a:r>
-              <a:rPr lang="en-US" altLang="zh-CN" dirty="0"/>
-              <a:t>2. NN</a:t>
-            </a:r>
-            <a:r>
-              <a:rPr lang="zh-CN" altLang="en-US" dirty="0"/>
-              <a:t>模型、已知脱靶算法、传统机器学习之间的比较</a:t>
-            </a:r>
-          </a:p>
-        </p:txBody>
-      </p:sp>
-    </p:spTree>
-    <p:extLst>
-      <p:ext uri="{BB962C8B-B14F-4D97-AF65-F5344CB8AC3E}">
-        <p14:creationId xmlns:p14="http://schemas.microsoft.com/office/powerpoint/2010/main" val="3499755906"/>
-      </p:ext>
-    </p:extLst>
-  </p:cSld>
-  <p:clrMapOvr>
-    <a:masterClrMapping/>
-  </p:clrMapOvr>
-</p:sld>
-</file>
-
-<file path=ppt/slides/slide5.xml><?xml version="1.0" encoding="utf-8"?>
-<p:sld xmlns:a="http://schemas.openxmlformats.org/drawingml/2006/main" xmlns:r="http://schemas.openxmlformats.org/officeDocument/2006/relationships" xmlns:p="http://schemas.openxmlformats.org/presentationml/2006/main">
-  <p:cSld>
-    <p:spTree>
-      <p:nvGrpSpPr>
-        <p:cNvPr id="1" name=""/>
-        <p:cNvGrpSpPr/>
-        <p:nvPr/>
-      </p:nvGrpSpPr>
-      <p:grpSpPr>
-        <a:xfrm>
-          <a:off x="0" y="0"/>
-          <a:ext cx="0" cy="0"/>
-          <a:chOff x="0" y="0"/>
-          <a:chExt cx="0" cy="0"/>
-        </a:xfrm>
-      </p:grpSpPr>
-      <p:sp>
-        <p:nvSpPr>
-          <p:cNvPr id="1048597" name="标题 1"/>
-          <p:cNvSpPr>
-            <a:spLocks noGrp="1"/>
-          </p:cNvSpPr>
-          <p:nvPr>
-            <p:ph type="title"/>
-          </p:nvPr>
-        </p:nvSpPr>
-        <p:spPr>
-          <a:xfrm>
-            <a:off x="438483" y="316719"/>
-            <a:ext cx="9603275" cy="1049235"/>
-          </a:xfrm>
-        </p:spPr>
-        <p:txBody>
-          <a:bodyPr>
-            <a:normAutofit fontScale="90000"/>
-          </a:bodyPr>
-          <a:lstStyle/>
-          <a:p>
-            <a:r>
-              <a:rPr lang="zh-CN" altLang="en-US" dirty="0"/>
-              <a:t>在</a:t>
-            </a:r>
-            <a:r>
-              <a:rPr lang="en-US" altLang="zh-CN" dirty="0"/>
-              <a:t>CRISPR-Cas9</a:t>
-            </a:r>
-            <a:r>
-              <a:rPr lang="zh-CN" altLang="en-US" dirty="0"/>
-              <a:t>基因编辑中用新的</a:t>
-            </a:r>
-            <a:r>
-              <a:rPr lang="en-US" altLang="zh-CN" dirty="0"/>
-              <a:t>sgRNA-DNA</a:t>
-            </a:r>
-            <a:r>
-              <a:rPr lang="zh-CN" altLang="en-US" dirty="0"/>
-              <a:t>序列编码进行精准深度学习脱靶预测</a:t>
-            </a:r>
-            <a:br>
-              <a:rPr lang="en-US" altLang="zh-CN" dirty="0"/>
-            </a:br>
-            <a:br>
-              <a:rPr lang="en-US" altLang="zh-CN" dirty="0"/>
-            </a:br>
-            <a:r>
-              <a:rPr lang="en-US" altLang="zh-CN" dirty="0"/>
-              <a:t>        </a:t>
-            </a:r>
-            <a:r>
-              <a:rPr lang="zh-CN" altLang="en-US" dirty="0"/>
-              <a:t>结果：</a:t>
-            </a:r>
-          </a:p>
-        </p:txBody>
-      </p:sp>
-      <p:sp>
-        <p:nvSpPr>
-          <p:cNvPr id="7" name="文本框 6">
-            <a:extLst>
-              <a:ext uri="{FF2B5EF4-FFF2-40B4-BE49-F238E27FC236}">
-                <a16:creationId xmlns:a16="http://schemas.microsoft.com/office/drawing/2014/main" id="{505D95EF-72CD-39C2-EE1C-8EAB53BB41E8}"/>
-              </a:ext>
-            </a:extLst>
-          </p:cNvPr>
-          <p:cNvSpPr txBox="1"/>
-          <p:nvPr/>
-        </p:nvSpPr>
-        <p:spPr>
-          <a:xfrm>
-            <a:off x="1509963" y="1931068"/>
-            <a:ext cx="3781163" cy="369332"/>
-          </a:xfrm>
-          <a:prstGeom prst="rect">
-            <a:avLst/>
-          </a:prstGeom>
-          <a:noFill/>
-        </p:spPr>
-        <p:txBody>
-          <a:bodyPr wrap="none" rtlCol="0">
-            <a:spAutoFit/>
-          </a:bodyPr>
-          <a:lstStyle/>
-          <a:p>
-            <a:r>
-              <a:rPr lang="en-US" altLang="zh-CN" dirty="0"/>
-              <a:t>1. </a:t>
-            </a:r>
-            <a:r>
-              <a:rPr lang="zh-CN" altLang="en-US" dirty="0"/>
-              <a:t>不同 </a:t>
-            </a:r>
-            <a:r>
-              <a:rPr lang="en-US" altLang="zh-CN" dirty="0"/>
-              <a:t>FNN / CNN </a:t>
-            </a:r>
-            <a:r>
-              <a:rPr lang="zh-CN" altLang="en-US" dirty="0"/>
-              <a:t>架构之间的比较</a:t>
-            </a:r>
-          </a:p>
-        </p:txBody>
-      </p:sp>
-      <p:sp>
-        <p:nvSpPr>
-          <p:cNvPr id="8" name="文本框 7">
-            <a:extLst>
-              <a:ext uri="{FF2B5EF4-FFF2-40B4-BE49-F238E27FC236}">
-                <a16:creationId xmlns:a16="http://schemas.microsoft.com/office/drawing/2014/main" id="{7DBA40F0-925E-1352-6F36-D9C98DDFF1EA}"/>
-              </a:ext>
-            </a:extLst>
-          </p:cNvPr>
-          <p:cNvSpPr txBox="1"/>
-          <p:nvPr/>
-        </p:nvSpPr>
-        <p:spPr>
-          <a:xfrm>
-            <a:off x="6649967" y="1931068"/>
-            <a:ext cx="5674310" cy="369332"/>
-          </a:xfrm>
-          <a:prstGeom prst="rect">
-            <a:avLst/>
-          </a:prstGeom>
-          <a:noFill/>
-        </p:spPr>
-        <p:txBody>
-          <a:bodyPr wrap="none" rtlCol="0">
-            <a:spAutoFit/>
-          </a:bodyPr>
-          <a:lstStyle/>
-          <a:p>
-            <a:r>
-              <a:rPr lang="en-US" altLang="zh-CN" dirty="0"/>
-              <a:t>2. NN</a:t>
-            </a:r>
-            <a:r>
-              <a:rPr lang="zh-CN" altLang="en-US" dirty="0"/>
-              <a:t>模型、已知脱靶算法、传统机器学习之间的比较</a:t>
-            </a:r>
-          </a:p>
-        </p:txBody>
-      </p:sp>
-      <p:pic>
-        <p:nvPicPr>
-          <p:cNvPr id="3" name="图片 2">
-            <a:extLst>
-              <a:ext uri="{FF2B5EF4-FFF2-40B4-BE49-F238E27FC236}">
-                <a16:creationId xmlns:a16="http://schemas.microsoft.com/office/drawing/2014/main" id="{B9D6F869-D4FC-FCE0-ED33-43E7546E41BD}"/>
-              </a:ext>
-            </a:extLst>
-          </p:cNvPr>
-          <p:cNvPicPr>
-            <a:picLocks noChangeAspect="1"/>
-          </p:cNvPicPr>
-          <p:nvPr/>
-        </p:nvPicPr>
-        <p:blipFill>
-          <a:blip r:embed="rId2"/>
-          <a:stretch>
-            <a:fillRect/>
-          </a:stretch>
-        </p:blipFill>
-        <p:spPr>
-          <a:xfrm>
-            <a:off x="1074130" y="2604836"/>
-            <a:ext cx="5021870" cy="3055519"/>
-          </a:xfrm>
-          <a:prstGeom prst="rect">
-            <a:avLst/>
-          </a:prstGeom>
-        </p:spPr>
-      </p:pic>
-      <mc:AlternateContent xmlns:mc="http://schemas.openxmlformats.org/markup-compatibility/2006" xmlns:p14="http://schemas.microsoft.com/office/powerpoint/2010/main">
-        <mc:Choice Requires="p14">
-          <p:contentPart p14:bwMode="auto" r:id="rId3">
-            <p14:nvContentPartPr>
-              <p14:cNvPr id="4" name="墨迹 3">
-                <a:extLst>
-                  <a:ext uri="{FF2B5EF4-FFF2-40B4-BE49-F238E27FC236}">
-                    <a16:creationId xmlns:a16="http://schemas.microsoft.com/office/drawing/2014/main" id="{A7F1BF17-41D4-B604-F3A2-9165E9933F71}"/>
-                  </a:ext>
-                </a:extLst>
-              </p14:cNvPr>
-              <p14:cNvContentPartPr/>
-              <p14:nvPr/>
-            </p14:nvContentPartPr>
-            <p14:xfrm>
-              <a:off x="4455635" y="3819240"/>
-              <a:ext cx="520920" cy="163800"/>
-            </p14:xfrm>
-          </p:contentPart>
-        </mc:Choice>
-        <mc:Fallback xmlns="">
-          <p:pic>
-            <p:nvPicPr>
-              <p:cNvPr id="4" name="墨迹 3">
-                <a:extLst>
-                  <a:ext uri="{FF2B5EF4-FFF2-40B4-BE49-F238E27FC236}">
-                    <a16:creationId xmlns:a16="http://schemas.microsoft.com/office/drawing/2014/main" id="{A7F1BF17-41D4-B604-F3A2-9165E9933F71}"/>
-                  </a:ext>
-                </a:extLst>
-              </p:cNvPr>
-              <p:cNvPicPr/>
-              <p:nvPr/>
-            </p:nvPicPr>
-            <p:blipFill>
-              <a:blip r:embed="rId4"/>
-              <a:stretch>
-                <a:fillRect/>
-              </a:stretch>
-            </p:blipFill>
-            <p:spPr>
-              <a:xfrm>
-                <a:off x="4446635" y="3810240"/>
-                <a:ext cx="538560" cy="181440"/>
-              </a:xfrm>
-              <a:prstGeom prst="rect">
-                <a:avLst/>
-              </a:prstGeom>
-            </p:spPr>
-          </p:pic>
-        </mc:Fallback>
-      </mc:AlternateContent>
-      <mc:AlternateContent xmlns:mc="http://schemas.openxmlformats.org/markup-compatibility/2006" xmlns:p14="http://schemas.microsoft.com/office/powerpoint/2010/main">
-        <mc:Choice Requires="p14">
-          <p:contentPart p14:bwMode="auto" r:id="rId5">
-            <p14:nvContentPartPr>
-              <p14:cNvPr id="6" name="墨迹 5">
-                <a:extLst>
-                  <a:ext uri="{FF2B5EF4-FFF2-40B4-BE49-F238E27FC236}">
-                    <a16:creationId xmlns:a16="http://schemas.microsoft.com/office/drawing/2014/main" id="{F7264755-8261-475B-9E23-C85600446AA0}"/>
-                  </a:ext>
-                </a:extLst>
-              </p14:cNvPr>
-              <p14:cNvContentPartPr/>
-              <p14:nvPr/>
-            </p14:nvContentPartPr>
-            <p14:xfrm>
-              <a:off x="1167035" y="3854880"/>
-              <a:ext cx="885240" cy="129600"/>
-            </p14:xfrm>
-          </p:contentPart>
-        </mc:Choice>
-        <mc:Fallback xmlns="">
-          <p:pic>
-            <p:nvPicPr>
-              <p:cNvPr id="6" name="墨迹 5">
-                <a:extLst>
-                  <a:ext uri="{FF2B5EF4-FFF2-40B4-BE49-F238E27FC236}">
-                    <a16:creationId xmlns:a16="http://schemas.microsoft.com/office/drawing/2014/main" id="{F7264755-8261-475B-9E23-C85600446AA0}"/>
-                  </a:ext>
-                </a:extLst>
-              </p:cNvPr>
-              <p:cNvPicPr/>
-              <p:nvPr/>
-            </p:nvPicPr>
-            <p:blipFill>
-              <a:blip r:embed="rId6"/>
-              <a:stretch>
-                <a:fillRect/>
-              </a:stretch>
-            </p:blipFill>
-            <p:spPr>
-              <a:xfrm>
-                <a:off x="1158395" y="3845880"/>
-                <a:ext cx="902880" cy="147240"/>
-              </a:xfrm>
-              <a:prstGeom prst="rect">
-                <a:avLst/>
-              </a:prstGeom>
-            </p:spPr>
-          </p:pic>
-        </mc:Fallback>
-      </mc:AlternateContent>
-      <mc:AlternateContent xmlns:mc="http://schemas.openxmlformats.org/markup-compatibility/2006" xmlns:p14="http://schemas.microsoft.com/office/powerpoint/2010/main">
-        <mc:Choice Requires="p14">
-          <p:contentPart p14:bwMode="auto" r:id="rId7">
-            <p14:nvContentPartPr>
-              <p14:cNvPr id="9" name="墨迹 8">
-                <a:extLst>
-                  <a:ext uri="{FF2B5EF4-FFF2-40B4-BE49-F238E27FC236}">
-                    <a16:creationId xmlns:a16="http://schemas.microsoft.com/office/drawing/2014/main" id="{6A0B7209-9788-D2F5-9E36-3B8CA58AEB29}"/>
-                  </a:ext>
-                </a:extLst>
-              </p14:cNvPr>
-              <p14:cNvContentPartPr/>
-              <p14:nvPr/>
-            </p14:nvContentPartPr>
-            <p14:xfrm>
-              <a:off x="1128875" y="4240800"/>
-              <a:ext cx="743400" cy="168840"/>
-            </p14:xfrm>
-          </p:contentPart>
-        </mc:Choice>
-        <mc:Fallback xmlns="">
-          <p:pic>
-            <p:nvPicPr>
-              <p:cNvPr id="9" name="墨迹 8">
-                <a:extLst>
-                  <a:ext uri="{FF2B5EF4-FFF2-40B4-BE49-F238E27FC236}">
-                    <a16:creationId xmlns:a16="http://schemas.microsoft.com/office/drawing/2014/main" id="{6A0B7209-9788-D2F5-9E36-3B8CA58AEB29}"/>
-                  </a:ext>
-                </a:extLst>
-              </p:cNvPr>
-              <p:cNvPicPr/>
-              <p:nvPr/>
-            </p:nvPicPr>
-            <p:blipFill>
-              <a:blip r:embed="rId8"/>
-              <a:stretch>
-                <a:fillRect/>
-              </a:stretch>
-            </p:blipFill>
-            <p:spPr>
-              <a:xfrm>
-                <a:off x="1120235" y="4231800"/>
-                <a:ext cx="761040" cy="186480"/>
-              </a:xfrm>
-              <a:prstGeom prst="rect">
-                <a:avLst/>
-              </a:prstGeom>
-            </p:spPr>
-          </p:pic>
-        </mc:Fallback>
-      </mc:AlternateContent>
-      <mc:AlternateContent xmlns:mc="http://schemas.openxmlformats.org/markup-compatibility/2006" xmlns:p14="http://schemas.microsoft.com/office/powerpoint/2010/main">
-        <mc:Choice Requires="p14">
-          <p:contentPart p14:bwMode="auto" r:id="rId9">
-            <p14:nvContentPartPr>
-              <p14:cNvPr id="10" name="墨迹 9">
-                <a:extLst>
-                  <a:ext uri="{FF2B5EF4-FFF2-40B4-BE49-F238E27FC236}">
-                    <a16:creationId xmlns:a16="http://schemas.microsoft.com/office/drawing/2014/main" id="{06F4CCC3-75F1-E5F1-A403-FC1BC53D6090}"/>
-                  </a:ext>
-                </a:extLst>
-              </p14:cNvPr>
-              <p14:cNvContentPartPr/>
-              <p14:nvPr/>
-            </p14:nvContentPartPr>
-            <p14:xfrm>
-              <a:off x="4398035" y="4204080"/>
-              <a:ext cx="556920" cy="183600"/>
-            </p14:xfrm>
-          </p:contentPart>
-        </mc:Choice>
-        <mc:Fallback xmlns="">
-          <p:pic>
-            <p:nvPicPr>
-              <p:cNvPr id="10" name="墨迹 9">
-                <a:extLst>
-                  <a:ext uri="{FF2B5EF4-FFF2-40B4-BE49-F238E27FC236}">
-                    <a16:creationId xmlns:a16="http://schemas.microsoft.com/office/drawing/2014/main" id="{06F4CCC3-75F1-E5F1-A403-FC1BC53D6090}"/>
-                  </a:ext>
-                </a:extLst>
-              </p:cNvPr>
-              <p:cNvPicPr/>
-              <p:nvPr/>
-            </p:nvPicPr>
-            <p:blipFill>
-              <a:blip r:embed="rId10"/>
-              <a:stretch>
-                <a:fillRect/>
-              </a:stretch>
-            </p:blipFill>
-            <p:spPr>
-              <a:xfrm>
-                <a:off x="4389395" y="4195440"/>
-                <a:ext cx="574560" cy="201240"/>
-              </a:xfrm>
-              <a:prstGeom prst="rect">
-                <a:avLst/>
-              </a:prstGeom>
-            </p:spPr>
-          </p:pic>
-        </mc:Fallback>
-      </mc:AlternateContent>
-      <p:pic>
-        <p:nvPicPr>
-          <p:cNvPr id="25" name="图片 24">
-            <a:extLst>
-              <a:ext uri="{FF2B5EF4-FFF2-40B4-BE49-F238E27FC236}">
-                <a16:creationId xmlns:a16="http://schemas.microsoft.com/office/drawing/2014/main" id="{99EAC426-AA67-7E16-BDCC-ADE757FC19EB}"/>
-              </a:ext>
-            </a:extLst>
-          </p:cNvPr>
-          <p:cNvPicPr>
-            <a:picLocks noChangeAspect="1"/>
-          </p:cNvPicPr>
-          <p:nvPr/>
-        </p:nvPicPr>
-        <p:blipFill>
-          <a:blip r:embed="rId11"/>
-          <a:stretch>
-            <a:fillRect/>
-          </a:stretch>
-        </p:blipFill>
-        <p:spPr>
-          <a:xfrm>
-            <a:off x="6785465" y="2396277"/>
-            <a:ext cx="4716724" cy="3799206"/>
-          </a:xfrm>
-          <a:prstGeom prst="rect">
-            <a:avLst/>
-          </a:prstGeom>
-        </p:spPr>
-      </p:pic>
-      <p:pic>
-        <p:nvPicPr>
-          <p:cNvPr id="27" name="图片 26">
-            <a:extLst>
-              <a:ext uri="{FF2B5EF4-FFF2-40B4-BE49-F238E27FC236}">
-                <a16:creationId xmlns:a16="http://schemas.microsoft.com/office/drawing/2014/main" id="{6912DE79-7880-FD1C-FABA-56CDE982B2EC}"/>
-              </a:ext>
-            </a:extLst>
-          </p:cNvPr>
-          <p:cNvPicPr>
-            <a:picLocks noChangeAspect="1"/>
-          </p:cNvPicPr>
-          <p:nvPr/>
-        </p:nvPicPr>
-        <p:blipFill>
-          <a:blip r:embed="rId12"/>
-          <a:stretch>
-            <a:fillRect/>
-          </a:stretch>
-        </p:blipFill>
-        <p:spPr>
-          <a:xfrm>
-            <a:off x="955162" y="1637840"/>
-            <a:ext cx="5259805" cy="4023102"/>
-          </a:xfrm>
-          <a:prstGeom prst="rect">
-            <a:avLst/>
-          </a:prstGeom>
-        </p:spPr>
-      </p:pic>
-      <p:pic>
-        <p:nvPicPr>
-          <p:cNvPr id="29" name="图片 28">
-            <a:extLst>
-              <a:ext uri="{FF2B5EF4-FFF2-40B4-BE49-F238E27FC236}">
-                <a16:creationId xmlns:a16="http://schemas.microsoft.com/office/drawing/2014/main" id="{64905CC1-57DB-7132-35E4-0AC306DCB498}"/>
-              </a:ext>
-            </a:extLst>
-          </p:cNvPr>
-          <p:cNvPicPr>
-            <a:picLocks noChangeAspect="1"/>
-          </p:cNvPicPr>
-          <p:nvPr/>
-        </p:nvPicPr>
-        <p:blipFill>
-          <a:blip r:embed="rId13"/>
-          <a:stretch>
-            <a:fillRect/>
-          </a:stretch>
-        </p:blipFill>
-        <p:spPr>
-          <a:xfrm>
-            <a:off x="2504902" y="1060032"/>
-            <a:ext cx="6638925" cy="5038725"/>
-          </a:xfrm>
-          <a:prstGeom prst="rect">
-            <a:avLst/>
-          </a:prstGeom>
-        </p:spPr>
-      </p:pic>
-    </p:spTree>
-    <p:extLst>
-      <p:ext uri="{BB962C8B-B14F-4D97-AF65-F5344CB8AC3E}">
-        <p14:creationId xmlns:p14="http://schemas.microsoft.com/office/powerpoint/2010/main" val="1750756952"/>
-      </p:ext>
-    </p:extLst>
-  </p:cSld>
-  <p:clrMapOvr>
-    <a:masterClrMapping/>
-  </p:clrMapOvr>
-  <p:transition spd="slow">
-    <p:push dir="u"/>
-  </p:transition>
-  <p:timing>
-    <p:tnLst>
-      <p:par>
-        <p:cTn id="1" dur="indefinite" restart="never" nodeType="tmRoot">
-          <p:childTnLst>
-            <p:seq concurrent="1" nextAc="seek">
-              <p:cTn id="2" dur="indefinite" nodeType="mainSeq">
-                <p:childTnLst>
-                  <p:par>
-                    <p:cTn id="3" fill="hold">
-                      <p:stCondLst>
-                        <p:cond delay="indefinite"/>
-                      </p:stCondLst>
-                      <p:childTnLst>
-                        <p:par>
-                          <p:cTn id="4" fill="hold">
-                            <p:stCondLst>
-                              <p:cond delay="0"/>
-                            </p:stCondLst>
-                            <p:childTnLst>
-                              <p:par>
-                                <p:cTn id="5" presetID="2" presetClass="entr" presetSubtype="4" fill="hold" nodeType="clickEffect">
-                                  <p:stCondLst>
-                                    <p:cond delay="0"/>
-                                  </p:stCondLst>
-                                  <p:childTnLst>
-                                    <p:set>
-                                      <p:cBhvr>
-                                        <p:cTn id="6" dur="1" fill="hold">
-                                          <p:stCondLst>
-                                            <p:cond delay="0"/>
-                                          </p:stCondLst>
-                                        </p:cTn>
-                                        <p:tgtEl>
-                                          <p:spTgt spid="3"/>
-                                        </p:tgtEl>
-                                        <p:attrNameLst>
-                                          <p:attrName>style.visibility</p:attrName>
-                                        </p:attrNameLst>
-                                      </p:cBhvr>
-                                      <p:to>
-                                        <p:strVal val="visible"/>
-                                      </p:to>
-                                    </p:set>
-                                    <p:anim calcmode="lin" valueType="num">
-                                      <p:cBhvr additive="base">
-                                        <p:cTn id="7" dur="500" fill="hold"/>
-                                        <p:tgtEl>
-                                          <p:spTgt spid="3"/>
-                                        </p:tgtEl>
-                                        <p:attrNameLst>
-                                          <p:attrName>ppt_x</p:attrName>
-                                        </p:attrNameLst>
-                                      </p:cBhvr>
-                                      <p:tavLst>
-                                        <p:tav tm="0">
-                                          <p:val>
-                                            <p:strVal val="#ppt_x"/>
-                                          </p:val>
-                                        </p:tav>
-                                        <p:tav tm="100000">
-                                          <p:val>
-                                            <p:strVal val="#ppt_x"/>
-                                          </p:val>
-                                        </p:tav>
-                                      </p:tavLst>
-                                    </p:anim>
-                                    <p:anim calcmode="lin" valueType="num">
-                                      <p:cBhvr additive="base">
-                                        <p:cTn id="8" dur="500" fill="hold"/>
-                                        <p:tgtEl>
-                                          <p:spTgt spid="3"/>
-                                        </p:tgtEl>
-                                        <p:attrNameLst>
-                                          <p:attrName>ppt_y</p:attrName>
-                                        </p:attrNameLst>
-                                      </p:cBhvr>
-                                      <p:tavLst>
-                                        <p:tav tm="0">
-                                          <p:val>
-                                            <p:strVal val="1+#ppt_h/2"/>
-                                          </p:val>
-                                        </p:tav>
-                                        <p:tav tm="100000">
-                                          <p:val>
-                                            <p:strVal val="#ppt_y"/>
-                                          </p:val>
-                                        </p:tav>
-                                      </p:tavLst>
-                                    </p:anim>
-                                  </p:childTnLst>
-                                </p:cTn>
-                              </p:par>
-                            </p:childTnLst>
-                          </p:cTn>
-                        </p:par>
-                      </p:childTnLst>
-                    </p:cTn>
-                  </p:par>
-                  <p:par>
-                    <p:cTn id="9" fill="hold">
-                      <p:stCondLst>
-                        <p:cond delay="indefinite"/>
-                      </p:stCondLst>
-                      <p:childTnLst>
-                        <p:par>
-                          <p:cTn id="10" fill="hold">
-                            <p:stCondLst>
-                              <p:cond delay="0"/>
-                            </p:stCondLst>
-                            <p:childTnLst>
-                              <p:par>
-                                <p:cTn id="11" presetID="10" presetClass="entr" presetSubtype="0" fill="hold" nodeType="clickEffect">
-                                  <p:stCondLst>
-                                    <p:cond delay="0"/>
-                                  </p:stCondLst>
-                                  <p:childTnLst>
-                                    <p:set>
-                                      <p:cBhvr>
-                                        <p:cTn id="12" dur="1" fill="hold">
-                                          <p:stCondLst>
-                                            <p:cond delay="0"/>
-                                          </p:stCondLst>
-                                        </p:cTn>
-                                        <p:tgtEl>
-                                          <p:spTgt spid="25"/>
-                                        </p:tgtEl>
-                                        <p:attrNameLst>
-                                          <p:attrName>style.visibility</p:attrName>
-                                        </p:attrNameLst>
-                                      </p:cBhvr>
-                                      <p:to>
-                                        <p:strVal val="visible"/>
-                                      </p:to>
-                                    </p:set>
-                                    <p:animEffect transition="in" filter="fade">
-                                      <p:cBhvr>
-                                        <p:cTn id="13" dur="500"/>
-                                        <p:tgtEl>
-                                          <p:spTgt spid="25"/>
-                                        </p:tgtEl>
-                                      </p:cBhvr>
-                                    </p:animEffect>
-                                  </p:childTnLst>
-                                </p:cTn>
-                              </p:par>
-                            </p:childTnLst>
-                          </p:cTn>
-                        </p:par>
-                      </p:childTnLst>
-                    </p:cTn>
-                  </p:par>
-                  <p:par>
-                    <p:cTn id="14" fill="hold">
-                      <p:stCondLst>
-                        <p:cond delay="indefinite"/>
-                      </p:stCondLst>
-                      <p:childTnLst>
-                        <p:par>
-                          <p:cTn id="15" fill="hold">
-                            <p:stCondLst>
-                              <p:cond delay="0"/>
-                            </p:stCondLst>
-                            <p:childTnLst>
-                              <p:par>
-                                <p:cTn id="16" presetID="10" presetClass="entr" presetSubtype="0" fill="hold" nodeType="clickEffect">
-                                  <p:stCondLst>
-                                    <p:cond delay="0"/>
-                                  </p:stCondLst>
-                                  <p:childTnLst>
-                                    <p:set>
-                                      <p:cBhvr>
-                                        <p:cTn id="17" dur="1" fill="hold">
-                                          <p:stCondLst>
-                                            <p:cond delay="0"/>
-                                          </p:stCondLst>
-                                        </p:cTn>
-                                        <p:tgtEl>
-                                          <p:spTgt spid="27"/>
-                                        </p:tgtEl>
-                                        <p:attrNameLst>
-                                          <p:attrName>style.visibility</p:attrName>
-                                        </p:attrNameLst>
-                                      </p:cBhvr>
-                                      <p:to>
-                                        <p:strVal val="visible"/>
-                                      </p:to>
-                                    </p:set>
-                                    <p:animEffect transition="in" filter="fade">
-                                      <p:cBhvr>
-                                        <p:cTn id="18" dur="500"/>
-                                        <p:tgtEl>
-                                          <p:spTgt spid="27"/>
-                                        </p:tgtEl>
-                                      </p:cBhvr>
-                                    </p:animEffect>
-                                  </p:childTnLst>
-                                </p:cTn>
-                              </p:par>
-                            </p:childTnLst>
-                          </p:cTn>
-                        </p:par>
-                      </p:childTnLst>
-                    </p:cTn>
-                  </p:par>
-                  <p:par>
-                    <p:cTn id="19" fill="hold">
-                      <p:stCondLst>
-                        <p:cond delay="indefinite"/>
-                      </p:stCondLst>
-                      <p:childTnLst>
-                        <p:par>
-                          <p:cTn id="20" fill="hold">
-                            <p:stCondLst>
-                              <p:cond delay="0"/>
-                            </p:stCondLst>
-                            <p:childTnLst>
-                              <p:par>
-                                <p:cTn id="21" presetID="10" presetClass="entr" presetSubtype="0" fill="hold" nodeType="clickEffect">
-                                  <p:stCondLst>
-                                    <p:cond delay="0"/>
-                                  </p:stCondLst>
-                                  <p:childTnLst>
-                                    <p:set>
-                                      <p:cBhvr>
-                                        <p:cTn id="22" dur="1" fill="hold">
-                                          <p:stCondLst>
-                                            <p:cond delay="0"/>
-                                          </p:stCondLst>
-                                        </p:cTn>
-                                        <p:tgtEl>
-                                          <p:spTgt spid="29"/>
-                                        </p:tgtEl>
-                                        <p:attrNameLst>
-                                          <p:attrName>style.visibility</p:attrName>
-                                        </p:attrNameLst>
-                                      </p:cBhvr>
-                                      <p:to>
-                                        <p:strVal val="visible"/>
-                                      </p:to>
-                                    </p:set>
-                                    <p:animEffect transition="in" filter="fade">
-                                      <p:cBhvr>
-                                        <p:cTn id="23" dur="500"/>
-                                        <p:tgtEl>
-                                          <p:spTgt spid="29"/>
-                                        </p:tgtEl>
-                                      </p:cBhvr>
-                                    </p:animEffect>
-                                  </p:childTnLst>
-                                </p:cTn>
-                              </p:par>
-                            </p:childTnLst>
-                          </p:cTn>
-                        </p:par>
-                      </p:childTnLst>
-                    </p:cTn>
-                  </p:par>
-                </p:childTnLst>
-              </p:cTn>
-              <p:prevCondLst>
-                <p:cond evt="onPrev" delay="0">
-                  <p:tgtEl>
-                    <p:sldTgt/>
-                  </p:tgtEl>
-                </p:cond>
-              </p:prevCondLst>
-              <p:nextCondLst>
-                <p:cond evt="onNext" delay="0">
-                  <p:tgtEl>
-                    <p:sldTgt/>
-                  </p:tgtEl>
-                </p:cond>
-              </p:nextCondLst>
-            </p:seq>
-          </p:childTnLst>
-        </p:cTn>
-      </p:par>
-    </p:tnLst>
-  </p:timing>
-</p:sld>
-</file>
-
-<file path=ppt/slides/slide6.xml><?xml version="1.0" encoding="utf-8"?>
-<p:sld xmlns:a="http://schemas.openxmlformats.org/drawingml/2006/main" xmlns:r="http://schemas.openxmlformats.org/officeDocument/2006/relationships" xmlns:p="http://schemas.openxmlformats.org/presentationml/2006/main">
-  <p:cSld>
-    <p:spTree>
-      <p:nvGrpSpPr>
-        <p:cNvPr id="1" name=""/>
-        <p:cNvGrpSpPr/>
-        <p:nvPr/>
-      </p:nvGrpSpPr>
-      <p:grpSpPr>
-        <a:xfrm>
-          <a:off x="0" y="0"/>
-          <a:ext cx="0" cy="0"/>
-          <a:chOff x="0" y="0"/>
-          <a:chExt cx="0" cy="0"/>
-        </a:xfrm>
-      </p:grpSpPr>
-      <p:sp>
-        <p:nvSpPr>
-          <p:cNvPr id="1048597" name="标题 1"/>
-          <p:cNvSpPr>
-            <a:spLocks noGrp="1"/>
-          </p:cNvSpPr>
-          <p:nvPr>
-            <p:ph type="title"/>
-          </p:nvPr>
-        </p:nvSpPr>
-        <p:spPr>
-          <a:xfrm>
-            <a:off x="438483" y="316719"/>
-            <a:ext cx="9603275" cy="1049235"/>
-          </a:xfrm>
-        </p:spPr>
-        <p:txBody>
-          <a:bodyPr>
-            <a:normAutofit fontScale="90000"/>
-          </a:bodyPr>
-          <a:lstStyle/>
-          <a:p>
-            <a:r>
-              <a:rPr lang="zh-CN" altLang="en-US" dirty="0"/>
-              <a:t>在</a:t>
-            </a:r>
-            <a:r>
-              <a:rPr lang="en-US" altLang="zh-CN" dirty="0"/>
-              <a:t>CRISPR-Cas9</a:t>
-            </a:r>
-            <a:r>
-              <a:rPr lang="zh-CN" altLang="en-US" dirty="0"/>
-              <a:t>基因编辑中用新的</a:t>
-            </a:r>
-            <a:r>
-              <a:rPr lang="en-US" altLang="zh-CN" dirty="0"/>
-              <a:t>sgRNA-DNA</a:t>
-            </a:r>
-            <a:r>
-              <a:rPr lang="zh-CN" altLang="en-US" dirty="0"/>
-              <a:t>序列编码进行精准深度学习脱靶预测</a:t>
-            </a:r>
-            <a:br>
-              <a:rPr lang="en-US" altLang="zh-CN" dirty="0"/>
-            </a:br>
-            <a:br>
-              <a:rPr lang="en-US" altLang="zh-CN" dirty="0"/>
-            </a:br>
-            <a:r>
-              <a:rPr lang="en-US" altLang="zh-CN" dirty="0"/>
-              <a:t>        </a:t>
-            </a:r>
-            <a:r>
-              <a:rPr lang="zh-CN" altLang="en-US" dirty="0"/>
-              <a:t>讨论：</a:t>
-            </a:r>
-          </a:p>
-        </p:txBody>
-      </p:sp>
-      <p:sp>
-        <p:nvSpPr>
-          <p:cNvPr id="7" name="文本框 6">
-            <a:extLst>
-              <a:ext uri="{FF2B5EF4-FFF2-40B4-BE49-F238E27FC236}">
-                <a16:creationId xmlns:a16="http://schemas.microsoft.com/office/drawing/2014/main" id="{505D95EF-72CD-39C2-EE1C-8EAB53BB41E8}"/>
-              </a:ext>
-            </a:extLst>
-          </p:cNvPr>
-          <p:cNvSpPr txBox="1"/>
-          <p:nvPr/>
-        </p:nvSpPr>
-        <p:spPr>
-          <a:xfrm>
-            <a:off x="1371600" y="1985210"/>
-            <a:ext cx="5779146" cy="923330"/>
-          </a:xfrm>
-          <a:prstGeom prst="rect">
-            <a:avLst/>
-          </a:prstGeom>
-          <a:noFill/>
-        </p:spPr>
-        <p:txBody>
-          <a:bodyPr wrap="none" rtlCol="0">
-            <a:spAutoFit/>
-          </a:bodyPr>
-          <a:lstStyle/>
-          <a:p>
-            <a:pPr marL="342900" indent="-342900">
-              <a:buAutoNum type="arabicPeriod"/>
-            </a:pPr>
-            <a:r>
-              <a:rPr lang="zh-CN" altLang="en-US" dirty="0"/>
-              <a:t>引入了一种将</a:t>
-            </a:r>
-            <a:r>
-              <a:rPr lang="en-US" altLang="zh-CN" dirty="0"/>
-              <a:t>sgRNA-DNA</a:t>
-            </a:r>
-            <a:r>
-              <a:rPr lang="zh-CN" altLang="en-US" dirty="0"/>
-              <a:t>序列对 </a:t>
-            </a:r>
-            <a:r>
-              <a:rPr lang="en-US" altLang="zh-CN" dirty="0"/>
-              <a:t>-&gt; </a:t>
-            </a:r>
-            <a:r>
-              <a:rPr lang="zh-CN" altLang="en-US" dirty="0"/>
-              <a:t>矩阵的方式</a:t>
-            </a:r>
-            <a:endParaRPr lang="en-US" altLang="zh-CN" dirty="0"/>
-          </a:p>
-          <a:p>
-            <a:pPr marL="342900" indent="-342900">
-              <a:buAutoNum type="arabicPeriod"/>
-            </a:pPr>
-            <a:r>
-              <a:rPr lang="zh-CN" altLang="en-US" dirty="0"/>
-              <a:t>首次将</a:t>
-            </a:r>
-            <a:r>
-              <a:rPr lang="en-US" altLang="zh-CN" dirty="0"/>
-              <a:t>CNN</a:t>
-            </a:r>
-            <a:r>
-              <a:rPr lang="zh-CN" altLang="en-US" dirty="0"/>
-              <a:t>引入到</a:t>
-            </a:r>
-            <a:r>
-              <a:rPr lang="en-US" altLang="zh-CN" dirty="0"/>
-              <a:t>CRISPR-Cas9</a:t>
-            </a:r>
-            <a:r>
-              <a:rPr lang="zh-CN" altLang="en-US" dirty="0"/>
-              <a:t>基因编辑脱靶预测中</a:t>
-            </a:r>
-            <a:endParaRPr lang="en-US" altLang="zh-CN" dirty="0"/>
-          </a:p>
-          <a:p>
-            <a:pPr marL="342900" indent="-342900">
-              <a:buAutoNum type="arabicPeriod"/>
-            </a:pPr>
-            <a:r>
-              <a:rPr lang="en-US" altLang="zh-CN" dirty="0"/>
-              <a:t>CNN</a:t>
-            </a:r>
-            <a:r>
-              <a:rPr lang="zh-CN" altLang="en-US" dirty="0"/>
-              <a:t>比</a:t>
-            </a:r>
-            <a:r>
-              <a:rPr lang="en-US" altLang="zh-CN" dirty="0"/>
-              <a:t>FNN</a:t>
-            </a:r>
-            <a:r>
-              <a:rPr lang="zh-CN" altLang="en-US" dirty="0"/>
-              <a:t>更好，且比上述提到的其他方法更好</a:t>
-            </a:r>
-            <a:endParaRPr lang="en-US" altLang="zh-CN" dirty="0"/>
-          </a:p>
-        </p:txBody>
-      </p:sp>
-      <p:pic>
-        <p:nvPicPr>
-          <p:cNvPr id="3" name="图片 2">
-            <a:extLst>
-              <a:ext uri="{FF2B5EF4-FFF2-40B4-BE49-F238E27FC236}">
-                <a16:creationId xmlns:a16="http://schemas.microsoft.com/office/drawing/2014/main" id="{30949CFC-B226-EE4B-AA23-A4FA6DAEDD01}"/>
-              </a:ext>
-            </a:extLst>
-          </p:cNvPr>
-          <p:cNvPicPr>
-            <a:picLocks noChangeAspect="1"/>
-          </p:cNvPicPr>
-          <p:nvPr/>
-        </p:nvPicPr>
-        <p:blipFill>
-          <a:blip r:embed="rId2"/>
-          <a:stretch>
-            <a:fillRect/>
-          </a:stretch>
-        </p:blipFill>
-        <p:spPr>
-          <a:xfrm>
-            <a:off x="1371600" y="3001879"/>
-            <a:ext cx="6505575" cy="3429000"/>
-          </a:xfrm>
-          <a:prstGeom prst="rect">
-            <a:avLst/>
-          </a:prstGeom>
-        </p:spPr>
-      </p:pic>
-    </p:spTree>
-    <p:extLst>
-      <p:ext uri="{BB962C8B-B14F-4D97-AF65-F5344CB8AC3E}">
-        <p14:creationId xmlns:p14="http://schemas.microsoft.com/office/powerpoint/2010/main" val="79535799"/>
-      </p:ext>
-    </p:extLst>
-  </p:cSld>
-  <p:clrMapOvr>
-    <a:masterClrMapping/>
-  </p:clrMapOvr>
-</p:sld>
-</file>
-
-<file path=ppt/slides/slide7.xml><?xml version="1.0" encoding="utf-8"?>
-<p:sld xmlns:a="http://schemas.openxmlformats.org/drawingml/2006/main" xmlns:r="http://schemas.openxmlformats.org/officeDocument/2006/relationships" xmlns:p="http://schemas.openxmlformats.org/presentationml/2006/main">
-  <p:cSld>
-    <p:spTree>
-      <p:nvGrpSpPr>
-        <p:cNvPr id="1" name=""/>
-        <p:cNvGrpSpPr/>
-        <p:nvPr/>
-      </p:nvGrpSpPr>
-      <p:grpSpPr>
-        <a:xfrm>
-          <a:off x="0" y="0"/>
-          <a:ext cx="0" cy="0"/>
-          <a:chOff x="0" y="0"/>
-          <a:chExt cx="0" cy="0"/>
-        </a:xfrm>
-      </p:grpSpPr>
-      <p:sp>
-        <p:nvSpPr>
           <p:cNvPr id="1048600" name="标题 1"/>
           <p:cNvSpPr>
             <a:spLocks noGrp="1"/>
@@ -5972,17 +4253,6 @@
             <a:r>
               <a:rPr lang="zh-CN" altLang="zh-CN" dirty="0"/>
               <a:t>看论文</a:t>
-            </a:r>
-            <a:endParaRPr lang="en-US" altLang="zh-CN" dirty="0"/>
-          </a:p>
-          <a:p>
-            <a:r>
-              <a:rPr lang="en-US" altLang="zh-CN" dirty="0"/>
-              <a:t>2. </a:t>
-            </a:r>
-            <a:r>
-              <a:rPr lang="zh-CN" altLang="zh-CN" dirty="0"/>
-              <a:t>刷力扣</a:t>
             </a:r>
             <a:endParaRPr lang="en-US" altLang="zh-CN" dirty="0"/>
           </a:p>
